--- a/misc/ForVideo.pptx
+++ b/misc/ForVideo.pptx
@@ -15,6 +15,10 @@
     <p:sldId id="266" r:id="rId9"/>
     <p:sldId id="264" r:id="rId10"/>
     <p:sldId id="263" r:id="rId11"/>
+    <p:sldId id="268" r:id="rId12"/>
+    <p:sldId id="269" r:id="rId13"/>
+    <p:sldId id="270" r:id="rId14"/>
+    <p:sldId id="272" r:id="rId15"/>
   </p:sldIdLst>
   <p:sldSz cx="12192000" cy="6858000"/>
   <p:notesSz cx="6858000" cy="9144000"/>
@@ -843,7 +847,7 @@
           <a:p>
             <a:fld id="{F7D71B59-D5D5-4121-8228-DA3DBA8A74A1}" type="datetimeFigureOut">
               <a:rPr lang="en-US" smtClean="0"/>
-              <a:t>4/17/2016</a:t>
+              <a:t>4/18/2016</a:t>
             </a:fld>
             <a:endParaRPr lang="en-US"/>
           </a:p>
@@ -1094,7 +1098,7 @@
           <a:p>
             <a:fld id="{F7D71B59-D5D5-4121-8228-DA3DBA8A74A1}" type="datetimeFigureOut">
               <a:rPr lang="en-US" smtClean="0"/>
-              <a:t>4/17/2016</a:t>
+              <a:t>4/18/2016</a:t>
             </a:fld>
             <a:endParaRPr lang="en-US"/>
           </a:p>
@@ -1408,7 +1412,7 @@
           <a:p>
             <a:fld id="{F7D71B59-D5D5-4121-8228-DA3DBA8A74A1}" type="datetimeFigureOut">
               <a:rPr lang="en-US" smtClean="0"/>
-              <a:t>4/17/2016</a:t>
+              <a:t>4/18/2016</a:t>
             </a:fld>
             <a:endParaRPr lang="en-US"/>
           </a:p>
@@ -1749,7 +1753,7 @@
           <a:p>
             <a:fld id="{F7D71B59-D5D5-4121-8228-DA3DBA8A74A1}" type="datetimeFigureOut">
               <a:rPr lang="en-US" smtClean="0"/>
-              <a:t>4/17/2016</a:t>
+              <a:t>4/18/2016</a:t>
             </a:fld>
             <a:endParaRPr lang="en-US"/>
           </a:p>
@@ -2063,7 +2067,7 @@
           <a:p>
             <a:fld id="{F7D71B59-D5D5-4121-8228-DA3DBA8A74A1}" type="datetimeFigureOut">
               <a:rPr lang="en-US" smtClean="0"/>
-              <a:t>4/17/2016</a:t>
+              <a:t>4/18/2016</a:t>
             </a:fld>
             <a:endParaRPr lang="en-US"/>
           </a:p>
@@ -2456,7 +2460,7 @@
           <a:p>
             <a:fld id="{F7D71B59-D5D5-4121-8228-DA3DBA8A74A1}" type="datetimeFigureOut">
               <a:rPr lang="en-US" smtClean="0"/>
-              <a:t>4/17/2016</a:t>
+              <a:t>4/18/2016</a:t>
             </a:fld>
             <a:endParaRPr lang="en-US"/>
           </a:p>
@@ -2626,7 +2630,7 @@
           <a:p>
             <a:fld id="{F7D71B59-D5D5-4121-8228-DA3DBA8A74A1}" type="datetimeFigureOut">
               <a:rPr lang="en-US" smtClean="0"/>
-              <a:t>4/17/2016</a:t>
+              <a:t>4/18/2016</a:t>
             </a:fld>
             <a:endParaRPr lang="en-US"/>
           </a:p>
@@ -2806,7 +2810,7 @@
           <a:p>
             <a:fld id="{F7D71B59-D5D5-4121-8228-DA3DBA8A74A1}" type="datetimeFigureOut">
               <a:rPr lang="en-US" smtClean="0"/>
-              <a:t>4/17/2016</a:t>
+              <a:t>4/18/2016</a:t>
             </a:fld>
             <a:endParaRPr lang="en-US"/>
           </a:p>
@@ -2982,7 +2986,7 @@
           <a:p>
             <a:fld id="{F7D71B59-D5D5-4121-8228-DA3DBA8A74A1}" type="datetimeFigureOut">
               <a:rPr lang="en-US" smtClean="0"/>
-              <a:t>4/17/2016</a:t>
+              <a:t>4/18/2016</a:t>
             </a:fld>
             <a:endParaRPr lang="en-US"/>
           </a:p>
@@ -3229,7 +3233,7 @@
           <a:p>
             <a:fld id="{F7D71B59-D5D5-4121-8228-DA3DBA8A74A1}" type="datetimeFigureOut">
               <a:rPr lang="en-US" smtClean="0"/>
-              <a:t>4/17/2016</a:t>
+              <a:t>4/18/2016</a:t>
             </a:fld>
             <a:endParaRPr lang="en-US"/>
           </a:p>
@@ -3461,7 +3465,7 @@
           <a:p>
             <a:fld id="{F7D71B59-D5D5-4121-8228-DA3DBA8A74A1}" type="datetimeFigureOut">
               <a:rPr lang="en-US" smtClean="0"/>
-              <a:t>4/17/2016</a:t>
+              <a:t>4/18/2016</a:t>
             </a:fld>
             <a:endParaRPr lang="en-US"/>
           </a:p>
@@ -3835,7 +3839,7 @@
           <a:p>
             <a:fld id="{F7D71B59-D5D5-4121-8228-DA3DBA8A74A1}" type="datetimeFigureOut">
               <a:rPr lang="en-US" smtClean="0"/>
-              <a:t>4/17/2016</a:t>
+              <a:t>4/18/2016</a:t>
             </a:fld>
             <a:endParaRPr lang="en-US"/>
           </a:p>
@@ -3958,7 +3962,7 @@
           <a:p>
             <a:fld id="{F7D71B59-D5D5-4121-8228-DA3DBA8A74A1}" type="datetimeFigureOut">
               <a:rPr lang="en-US" smtClean="0"/>
-              <a:t>4/17/2016</a:t>
+              <a:t>4/18/2016</a:t>
             </a:fld>
             <a:endParaRPr lang="en-US"/>
           </a:p>
@@ -4053,7 +4057,7 @@
           <a:p>
             <a:fld id="{F7D71B59-D5D5-4121-8228-DA3DBA8A74A1}" type="datetimeFigureOut">
               <a:rPr lang="en-US" smtClean="0"/>
-              <a:t>4/17/2016</a:t>
+              <a:t>4/18/2016</a:t>
             </a:fld>
             <a:endParaRPr lang="en-US"/>
           </a:p>
@@ -4308,7 +4312,7 @@
           <a:p>
             <a:fld id="{F7D71B59-D5D5-4121-8228-DA3DBA8A74A1}" type="datetimeFigureOut">
               <a:rPr lang="en-US" smtClean="0"/>
-              <a:t>4/17/2016</a:t>
+              <a:t>4/18/2016</a:t>
             </a:fld>
             <a:endParaRPr lang="en-US"/>
           </a:p>
@@ -4571,7 +4575,7 @@
           <a:p>
             <a:fld id="{F7D71B59-D5D5-4121-8228-DA3DBA8A74A1}" type="datetimeFigureOut">
               <a:rPr lang="en-US" smtClean="0"/>
-              <a:t>4/17/2016</a:t>
+              <a:t>4/18/2016</a:t>
             </a:fld>
             <a:endParaRPr lang="en-US"/>
           </a:p>
@@ -5314,7 +5318,7 @@
           <a:p>
             <a:fld id="{F7D71B59-D5D5-4121-8228-DA3DBA8A74A1}" type="datetimeFigureOut">
               <a:rPr lang="en-US" smtClean="0"/>
-              <a:t>4/17/2016</a:t>
+              <a:t>4/18/2016</a:t>
             </a:fld>
             <a:endParaRPr lang="en-US"/>
           </a:p>
@@ -5912,11 +5916,7 @@
             <a:pPr algn="l"/>
             <a:r>
               <a:rPr lang="en-US" b="1" dirty="0" smtClean="0"/>
-              <a:t> -- Created </a:t>
-            </a:r>
-            <a:r>
-              <a:rPr lang="en-US" b="1" dirty="0" smtClean="0"/>
-              <a:t>By</a:t>
+              <a:t> -- Created By</a:t>
             </a:r>
           </a:p>
           <a:p>
@@ -5951,11 +5951,7 @@
             </a:r>
             <a:r>
               <a:rPr lang="en-US" dirty="0" smtClean="0"/>
-              <a:t> </a:t>
-            </a:r>
-            <a:r>
-              <a:rPr lang="en-US" dirty="0" smtClean="0"/>
-              <a:t>Yu</a:t>
+              <a:t> Yu</a:t>
             </a:r>
             <a:endParaRPr lang="en-US" dirty="0"/>
           </a:p>
@@ -5994,6 +5990,13 @@
   <p:clrMapOvr>
     <a:masterClrMapping/>
   </p:clrMapOvr>
+  <p:timing>
+    <p:tnLst>
+      <p:par>
+        <p:cTn id="1" dur="indefinite" restart="never" nodeType="tmRoot"/>
+      </p:par>
+    </p:tnLst>
+  </p:timing>
 </p:sld>
 </file>
 
@@ -6386,7 +6389,6 @@
               <a:rPr lang="en-US" dirty="0" smtClean="0"/>
               <a:t>: present, integer</a:t>
             </a:r>
-            <a:endParaRPr lang="en-US" dirty="0" smtClean="0"/>
           </a:p>
         </p:txBody>
       </p:sp>
@@ -6668,6 +6670,1169 @@
   <p:clrMapOvr>
     <a:masterClrMapping/>
   </p:clrMapOvr>
+  <p:timing>
+    <p:tnLst>
+      <p:par>
+        <p:cTn id="1" dur="indefinite" restart="never" nodeType="tmRoot"/>
+      </p:par>
+    </p:tnLst>
+  </p:timing>
+</p:sld>
+</file>
+
+<file path=ppt/slides/slide11.xml><?xml version="1.0" encoding="utf-8"?>
+<p:sld xmlns:a="http://schemas.openxmlformats.org/drawingml/2006/main" xmlns:r="http://schemas.openxmlformats.org/officeDocument/2006/relationships" xmlns:p="http://schemas.openxmlformats.org/presentationml/2006/main">
+  <p:cSld>
+    <p:spTree>
+      <p:nvGrpSpPr>
+        <p:cNvPr id="1" name=""/>
+        <p:cNvGrpSpPr/>
+        <p:nvPr/>
+      </p:nvGrpSpPr>
+      <p:grpSpPr>
+        <a:xfrm>
+          <a:off x="0" y="0"/>
+          <a:ext cx="0" cy="0"/>
+          <a:chOff x="0" y="0"/>
+          <a:chExt cx="0" cy="0"/>
+        </a:xfrm>
+      </p:grpSpPr>
+      <p:pic>
+        <p:nvPicPr>
+          <p:cNvPr id="4" name="Picture 3"/>
+          <p:cNvPicPr>
+            <a:picLocks noChangeAspect="1"/>
+          </p:cNvPicPr>
+          <p:nvPr/>
+        </p:nvPicPr>
+        <p:blipFill>
+          <a:blip r:embed="rId2"/>
+          <a:stretch>
+            <a:fillRect/>
+          </a:stretch>
+        </p:blipFill>
+        <p:spPr>
+          <a:xfrm>
+            <a:off x="211016" y="166203"/>
+            <a:ext cx="10339753" cy="6451780"/>
+          </a:xfrm>
+          <a:prstGeom prst="rect">
+            <a:avLst/>
+          </a:prstGeom>
+        </p:spPr>
+      </p:pic>
+      <p:sp>
+        <p:nvSpPr>
+          <p:cNvPr id="7" name="Flowchart: Process 6"/>
+          <p:cNvSpPr/>
+          <p:nvPr/>
+        </p:nvSpPr>
+        <p:spPr>
+          <a:xfrm>
+            <a:off x="2485402" y="2220224"/>
+            <a:ext cx="2147558" cy="1721856"/>
+          </a:xfrm>
+          <a:prstGeom prst="flowChartProcess">
+            <a:avLst/>
+          </a:prstGeom>
+          <a:noFill/>
+          <a:ln w="76200">
+            <a:solidFill>
+              <a:srgbClr val="FFFF00"/>
+            </a:solidFill>
+          </a:ln>
+        </p:spPr>
+        <p:style>
+          <a:lnRef idx="2">
+            <a:schemeClr val="dk1"/>
+          </a:lnRef>
+          <a:fillRef idx="1">
+            <a:schemeClr val="lt1"/>
+          </a:fillRef>
+          <a:effectRef idx="0">
+            <a:schemeClr val="dk1"/>
+          </a:effectRef>
+          <a:fontRef idx="minor">
+            <a:schemeClr val="dk1"/>
+          </a:fontRef>
+        </p:style>
+        <p:txBody>
+          <a:bodyPr rtlCol="0" anchor="ctr"/>
+          <a:lstStyle/>
+          <a:p>
+            <a:pPr algn="ctr"/>
+            <a:endParaRPr lang="en-US"/>
+          </a:p>
+        </p:txBody>
+      </p:sp>
+      <p:sp>
+        <p:nvSpPr>
+          <p:cNvPr id="11" name="Flowchart: Process 10"/>
+          <p:cNvSpPr/>
+          <p:nvPr/>
+        </p:nvSpPr>
+        <p:spPr>
+          <a:xfrm>
+            <a:off x="213022" y="186533"/>
+            <a:ext cx="2895938" cy="1398427"/>
+          </a:xfrm>
+          <a:prstGeom prst="flowChartProcess">
+            <a:avLst/>
+          </a:prstGeom>
+          <a:noFill/>
+          <a:ln w="76200">
+            <a:solidFill>
+              <a:srgbClr val="FFFF00"/>
+            </a:solidFill>
+          </a:ln>
+        </p:spPr>
+        <p:style>
+          <a:lnRef idx="2">
+            <a:schemeClr val="dk1"/>
+          </a:lnRef>
+          <a:fillRef idx="1">
+            <a:schemeClr val="lt1"/>
+          </a:fillRef>
+          <a:effectRef idx="0">
+            <a:schemeClr val="dk1"/>
+          </a:effectRef>
+          <a:fontRef idx="minor">
+            <a:schemeClr val="dk1"/>
+          </a:fontRef>
+        </p:style>
+        <p:txBody>
+          <a:bodyPr rtlCol="0" anchor="ctr"/>
+          <a:lstStyle/>
+          <a:p>
+            <a:pPr algn="ctr"/>
+            <a:endParaRPr lang="en-US"/>
+          </a:p>
+        </p:txBody>
+      </p:sp>
+      <p:sp>
+        <p:nvSpPr>
+          <p:cNvPr id="13" name="TextBox 12"/>
+          <p:cNvSpPr txBox="1"/>
+          <p:nvPr/>
+        </p:nvSpPr>
+        <p:spPr>
+          <a:xfrm>
+            <a:off x="7034571" y="5821680"/>
+            <a:ext cx="3342640" cy="707886"/>
+          </a:xfrm>
+          <a:prstGeom prst="rect">
+            <a:avLst/>
+          </a:prstGeom>
+          <a:noFill/>
+        </p:spPr>
+        <p:txBody>
+          <a:bodyPr wrap="square" rtlCol="0">
+            <a:spAutoFit/>
+          </a:bodyPr>
+          <a:lstStyle/>
+          <a:p>
+            <a:r>
+              <a:rPr lang="en-US" sz="4000" b="1" dirty="0" smtClean="0"/>
+              <a:t>Tarika Bedse</a:t>
+            </a:r>
+            <a:endParaRPr lang="en-US" sz="4000" b="1" dirty="0"/>
+          </a:p>
+        </p:txBody>
+      </p:sp>
+    </p:spTree>
+    <p:extLst>
+      <p:ext uri="{BB962C8B-B14F-4D97-AF65-F5344CB8AC3E}">
+        <p14:creationId xmlns:p14="http://schemas.microsoft.com/office/powerpoint/2010/main" val="3577091212"/>
+      </p:ext>
+    </p:extLst>
+  </p:cSld>
+  <p:clrMapOvr>
+    <a:masterClrMapping/>
+  </p:clrMapOvr>
+  <p:timing>
+    <p:tnLst>
+      <p:par>
+        <p:cTn id="1" dur="indefinite" restart="never" nodeType="tmRoot"/>
+      </p:par>
+    </p:tnLst>
+  </p:timing>
+</p:sld>
+</file>
+
+<file path=ppt/slides/slide12.xml><?xml version="1.0" encoding="utf-8"?>
+<p:sld xmlns:a="http://schemas.openxmlformats.org/drawingml/2006/main" xmlns:r="http://schemas.openxmlformats.org/officeDocument/2006/relationships" xmlns:p="http://schemas.openxmlformats.org/presentationml/2006/main">
+  <p:cSld>
+    <p:spTree>
+      <p:nvGrpSpPr>
+        <p:cNvPr id="1" name=""/>
+        <p:cNvGrpSpPr/>
+        <p:nvPr/>
+      </p:nvGrpSpPr>
+      <p:grpSpPr>
+        <a:xfrm>
+          <a:off x="0" y="0"/>
+          <a:ext cx="0" cy="0"/>
+          <a:chOff x="0" y="0"/>
+          <a:chExt cx="0" cy="0"/>
+        </a:xfrm>
+      </p:grpSpPr>
+      <p:pic>
+        <p:nvPicPr>
+          <p:cNvPr id="4" name="Picture 3"/>
+          <p:cNvPicPr>
+            <a:picLocks noChangeAspect="1"/>
+          </p:cNvPicPr>
+          <p:nvPr/>
+        </p:nvPicPr>
+        <p:blipFill>
+          <a:blip r:embed="rId2"/>
+          <a:stretch>
+            <a:fillRect/>
+          </a:stretch>
+        </p:blipFill>
+        <p:spPr>
+          <a:xfrm>
+            <a:off x="211016" y="166203"/>
+            <a:ext cx="10339753" cy="6451780"/>
+          </a:xfrm>
+          <a:prstGeom prst="rect">
+            <a:avLst/>
+          </a:prstGeom>
+        </p:spPr>
+      </p:pic>
+      <p:sp>
+        <p:nvSpPr>
+          <p:cNvPr id="7" name="Flowchart: Process 6"/>
+          <p:cNvSpPr/>
+          <p:nvPr/>
+        </p:nvSpPr>
+        <p:spPr>
+          <a:xfrm>
+            <a:off x="2485402" y="2220224"/>
+            <a:ext cx="2147558" cy="1721856"/>
+          </a:xfrm>
+          <a:prstGeom prst="flowChartProcess">
+            <a:avLst/>
+          </a:prstGeom>
+          <a:noFill/>
+          <a:ln w="76200">
+            <a:solidFill>
+              <a:srgbClr val="FFFF00"/>
+            </a:solidFill>
+          </a:ln>
+        </p:spPr>
+        <p:style>
+          <a:lnRef idx="2">
+            <a:schemeClr val="dk1"/>
+          </a:lnRef>
+          <a:fillRef idx="1">
+            <a:schemeClr val="lt1"/>
+          </a:fillRef>
+          <a:effectRef idx="0">
+            <a:schemeClr val="dk1"/>
+          </a:effectRef>
+          <a:fontRef idx="minor">
+            <a:schemeClr val="dk1"/>
+          </a:fontRef>
+        </p:style>
+        <p:txBody>
+          <a:bodyPr rtlCol="0" anchor="ctr"/>
+          <a:lstStyle/>
+          <a:p>
+            <a:pPr algn="ctr"/>
+            <a:endParaRPr lang="en-US"/>
+          </a:p>
+        </p:txBody>
+      </p:sp>
+      <p:sp>
+        <p:nvSpPr>
+          <p:cNvPr id="11" name="Flowchart: Process 10"/>
+          <p:cNvSpPr/>
+          <p:nvPr/>
+        </p:nvSpPr>
+        <p:spPr>
+          <a:xfrm>
+            <a:off x="213022" y="186533"/>
+            <a:ext cx="2895938" cy="1398427"/>
+          </a:xfrm>
+          <a:prstGeom prst="flowChartProcess">
+            <a:avLst/>
+          </a:prstGeom>
+          <a:noFill/>
+          <a:ln w="76200">
+            <a:solidFill>
+              <a:srgbClr val="FFFF00"/>
+            </a:solidFill>
+          </a:ln>
+        </p:spPr>
+        <p:style>
+          <a:lnRef idx="2">
+            <a:schemeClr val="dk1"/>
+          </a:lnRef>
+          <a:fillRef idx="1">
+            <a:schemeClr val="lt1"/>
+          </a:fillRef>
+          <a:effectRef idx="0">
+            <a:schemeClr val="dk1"/>
+          </a:effectRef>
+          <a:fontRef idx="minor">
+            <a:schemeClr val="dk1"/>
+          </a:fontRef>
+        </p:style>
+        <p:txBody>
+          <a:bodyPr rtlCol="0" anchor="ctr"/>
+          <a:lstStyle/>
+          <a:p>
+            <a:pPr algn="ctr"/>
+            <a:endParaRPr lang="en-US"/>
+          </a:p>
+        </p:txBody>
+      </p:sp>
+      <p:sp>
+        <p:nvSpPr>
+          <p:cNvPr id="8" name="Rectangular Callout 7"/>
+          <p:cNvSpPr/>
+          <p:nvPr/>
+        </p:nvSpPr>
+        <p:spPr>
+          <a:xfrm>
+            <a:off x="5148439" y="2979775"/>
+            <a:ext cx="2307772" cy="1407885"/>
+          </a:xfrm>
+          <a:prstGeom prst="wedgeRectCallout">
+            <a:avLst>
+              <a:gd name="adj1" fmla="val 91117"/>
+              <a:gd name="adj2" fmla="val -37382"/>
+            </a:avLst>
+          </a:prstGeom>
+        </p:spPr>
+        <p:style>
+          <a:lnRef idx="2">
+            <a:schemeClr val="accent1">
+              <a:shade val="50000"/>
+            </a:schemeClr>
+          </a:lnRef>
+          <a:fillRef idx="1">
+            <a:schemeClr val="accent1"/>
+          </a:fillRef>
+          <a:effectRef idx="0">
+            <a:schemeClr val="accent1"/>
+          </a:effectRef>
+          <a:fontRef idx="minor">
+            <a:schemeClr val="lt1"/>
+          </a:fontRef>
+        </p:style>
+        <p:txBody>
+          <a:bodyPr rtlCol="0" anchor="ctr"/>
+          <a:lstStyle/>
+          <a:p>
+            <a:pPr algn="ctr"/>
+            <a:r>
+              <a:rPr lang="en-US" dirty="0" smtClean="0"/>
+              <a:t>1-n </a:t>
+            </a:r>
+            <a:r>
+              <a:rPr lang="en-US" dirty="0" smtClean="0"/>
+              <a:t>relationship</a:t>
+            </a:r>
+            <a:endParaRPr lang="en-US" dirty="0"/>
+          </a:p>
+        </p:txBody>
+      </p:sp>
+      <p:cxnSp>
+        <p:nvCxnSpPr>
+          <p:cNvPr id="17" name="Elbow Connector 16"/>
+          <p:cNvCxnSpPr/>
+          <p:nvPr/>
+        </p:nvCxnSpPr>
+        <p:spPr>
+          <a:xfrm>
+            <a:off x="8310880" y="2458720"/>
+            <a:ext cx="721360" cy="680720"/>
+          </a:xfrm>
+          <a:prstGeom prst="bentConnector3">
+            <a:avLst>
+              <a:gd name="adj1" fmla="val 2113"/>
+            </a:avLst>
+          </a:prstGeom>
+          <a:ln w="76200">
+            <a:solidFill>
+              <a:srgbClr val="FFFF00"/>
+            </a:solidFill>
+            <a:tailEnd type="triangle"/>
+          </a:ln>
+        </p:spPr>
+        <p:style>
+          <a:lnRef idx="1">
+            <a:schemeClr val="accent1"/>
+          </a:lnRef>
+          <a:fillRef idx="0">
+            <a:schemeClr val="accent1"/>
+          </a:fillRef>
+          <a:effectRef idx="0">
+            <a:schemeClr val="accent1"/>
+          </a:effectRef>
+          <a:fontRef idx="minor">
+            <a:schemeClr val="tx1"/>
+          </a:fontRef>
+        </p:style>
+      </p:cxnSp>
+      <p:sp>
+        <p:nvSpPr>
+          <p:cNvPr id="31" name="TextBox 30"/>
+          <p:cNvSpPr txBox="1"/>
+          <p:nvPr/>
+        </p:nvSpPr>
+        <p:spPr>
+          <a:xfrm>
+            <a:off x="7034571" y="5821680"/>
+            <a:ext cx="3342640" cy="707886"/>
+          </a:xfrm>
+          <a:prstGeom prst="rect">
+            <a:avLst/>
+          </a:prstGeom>
+          <a:noFill/>
+        </p:spPr>
+        <p:txBody>
+          <a:bodyPr wrap="square" rtlCol="0">
+            <a:spAutoFit/>
+          </a:bodyPr>
+          <a:lstStyle/>
+          <a:p>
+            <a:r>
+              <a:rPr lang="en-US" sz="4000" b="1" dirty="0" smtClean="0"/>
+              <a:t>Tarika Bedse</a:t>
+            </a:r>
+            <a:endParaRPr lang="en-US" sz="4000" b="1" dirty="0"/>
+          </a:p>
+        </p:txBody>
+      </p:sp>
+    </p:spTree>
+    <p:extLst>
+      <p:ext uri="{BB962C8B-B14F-4D97-AF65-F5344CB8AC3E}">
+        <p14:creationId xmlns:p14="http://schemas.microsoft.com/office/powerpoint/2010/main" val="3200046992"/>
+      </p:ext>
+    </p:extLst>
+  </p:cSld>
+  <p:clrMapOvr>
+    <a:masterClrMapping/>
+  </p:clrMapOvr>
+  <p:timing>
+    <p:tnLst>
+      <p:par>
+        <p:cTn id="1" dur="indefinite" restart="never" nodeType="tmRoot"/>
+      </p:par>
+    </p:tnLst>
+  </p:timing>
+</p:sld>
+</file>
+
+<file path=ppt/slides/slide13.xml><?xml version="1.0" encoding="utf-8"?>
+<p:sld xmlns:a="http://schemas.openxmlformats.org/drawingml/2006/main" xmlns:r="http://schemas.openxmlformats.org/officeDocument/2006/relationships" xmlns:p="http://schemas.openxmlformats.org/presentationml/2006/main">
+  <p:cSld>
+    <p:spTree>
+      <p:nvGrpSpPr>
+        <p:cNvPr id="1" name=""/>
+        <p:cNvGrpSpPr/>
+        <p:nvPr/>
+      </p:nvGrpSpPr>
+      <p:grpSpPr>
+        <a:xfrm>
+          <a:off x="0" y="0"/>
+          <a:ext cx="0" cy="0"/>
+          <a:chOff x="0" y="0"/>
+          <a:chExt cx="0" cy="0"/>
+        </a:xfrm>
+      </p:grpSpPr>
+      <p:pic>
+        <p:nvPicPr>
+          <p:cNvPr id="4" name="Picture 3"/>
+          <p:cNvPicPr>
+            <a:picLocks noChangeAspect="1"/>
+          </p:cNvPicPr>
+          <p:nvPr/>
+        </p:nvPicPr>
+        <p:blipFill>
+          <a:blip r:embed="rId2"/>
+          <a:stretch>
+            <a:fillRect/>
+          </a:stretch>
+        </p:blipFill>
+        <p:spPr>
+          <a:xfrm>
+            <a:off x="211016" y="166203"/>
+            <a:ext cx="10339753" cy="6451780"/>
+          </a:xfrm>
+          <a:prstGeom prst="rect">
+            <a:avLst/>
+          </a:prstGeom>
+        </p:spPr>
+      </p:pic>
+      <p:sp>
+        <p:nvSpPr>
+          <p:cNvPr id="7" name="Flowchart: Process 6"/>
+          <p:cNvSpPr/>
+          <p:nvPr/>
+        </p:nvSpPr>
+        <p:spPr>
+          <a:xfrm>
+            <a:off x="2485402" y="2220224"/>
+            <a:ext cx="2147558" cy="1721856"/>
+          </a:xfrm>
+          <a:prstGeom prst="flowChartProcess">
+            <a:avLst/>
+          </a:prstGeom>
+          <a:noFill/>
+          <a:ln w="76200">
+            <a:solidFill>
+              <a:srgbClr val="FFFF00"/>
+            </a:solidFill>
+          </a:ln>
+        </p:spPr>
+        <p:style>
+          <a:lnRef idx="2">
+            <a:schemeClr val="dk1"/>
+          </a:lnRef>
+          <a:fillRef idx="1">
+            <a:schemeClr val="lt1"/>
+          </a:fillRef>
+          <a:effectRef idx="0">
+            <a:schemeClr val="dk1"/>
+          </a:effectRef>
+          <a:fontRef idx="minor">
+            <a:schemeClr val="dk1"/>
+          </a:fontRef>
+        </p:style>
+        <p:txBody>
+          <a:bodyPr rtlCol="0" anchor="ctr"/>
+          <a:lstStyle/>
+          <a:p>
+            <a:pPr algn="ctr"/>
+            <a:endParaRPr lang="en-US"/>
+          </a:p>
+        </p:txBody>
+      </p:sp>
+      <p:sp>
+        <p:nvSpPr>
+          <p:cNvPr id="11" name="Flowchart: Process 10"/>
+          <p:cNvSpPr/>
+          <p:nvPr/>
+        </p:nvSpPr>
+        <p:spPr>
+          <a:xfrm>
+            <a:off x="213022" y="186533"/>
+            <a:ext cx="2895938" cy="1398427"/>
+          </a:xfrm>
+          <a:prstGeom prst="flowChartProcess">
+            <a:avLst/>
+          </a:prstGeom>
+          <a:noFill/>
+          <a:ln w="76200">
+            <a:solidFill>
+              <a:srgbClr val="FFFF00"/>
+            </a:solidFill>
+          </a:ln>
+        </p:spPr>
+        <p:style>
+          <a:lnRef idx="2">
+            <a:schemeClr val="dk1"/>
+          </a:lnRef>
+          <a:fillRef idx="1">
+            <a:schemeClr val="lt1"/>
+          </a:fillRef>
+          <a:effectRef idx="0">
+            <a:schemeClr val="dk1"/>
+          </a:effectRef>
+          <a:fontRef idx="minor">
+            <a:schemeClr val="dk1"/>
+          </a:fontRef>
+        </p:style>
+        <p:txBody>
+          <a:bodyPr rtlCol="0" anchor="ctr"/>
+          <a:lstStyle/>
+          <a:p>
+            <a:pPr algn="ctr"/>
+            <a:endParaRPr lang="en-US"/>
+          </a:p>
+        </p:txBody>
+      </p:sp>
+      <p:sp>
+        <p:nvSpPr>
+          <p:cNvPr id="8" name="Rectangular Callout 7"/>
+          <p:cNvSpPr/>
+          <p:nvPr/>
+        </p:nvSpPr>
+        <p:spPr>
+          <a:xfrm>
+            <a:off x="5880685" y="3942080"/>
+            <a:ext cx="2307772" cy="1407885"/>
+          </a:xfrm>
+          <a:prstGeom prst="wedgeRectCallout">
+            <a:avLst>
+              <a:gd name="adj1" fmla="val -55487"/>
+              <a:gd name="adj2" fmla="val -121815"/>
+            </a:avLst>
+          </a:prstGeom>
+        </p:spPr>
+        <p:style>
+          <a:lnRef idx="2">
+            <a:schemeClr val="accent1">
+              <a:shade val="50000"/>
+            </a:schemeClr>
+          </a:lnRef>
+          <a:fillRef idx="1">
+            <a:schemeClr val="accent1"/>
+          </a:fillRef>
+          <a:effectRef idx="0">
+            <a:schemeClr val="accent1"/>
+          </a:effectRef>
+          <a:fontRef idx="minor">
+            <a:schemeClr val="lt1"/>
+          </a:fontRef>
+        </p:style>
+        <p:txBody>
+          <a:bodyPr rtlCol="0" anchor="ctr"/>
+          <a:lstStyle/>
+          <a:p>
+            <a:pPr algn="ctr"/>
+            <a:r>
+              <a:rPr lang="en-US" dirty="0" smtClean="0"/>
+              <a:t>1-n </a:t>
+            </a:r>
+            <a:r>
+              <a:rPr lang="en-US" dirty="0" smtClean="0"/>
+              <a:t>relationship</a:t>
+            </a:r>
+            <a:endParaRPr lang="en-US" dirty="0"/>
+          </a:p>
+        </p:txBody>
+      </p:sp>
+      <p:cxnSp>
+        <p:nvCxnSpPr>
+          <p:cNvPr id="17" name="Elbow Connector 16"/>
+          <p:cNvCxnSpPr/>
+          <p:nvPr/>
+        </p:nvCxnSpPr>
+        <p:spPr>
+          <a:xfrm rot="10800000" flipV="1">
+            <a:off x="4632960" y="1727200"/>
+            <a:ext cx="2495450" cy="1188720"/>
+          </a:xfrm>
+          <a:prstGeom prst="bentConnector3">
+            <a:avLst>
+              <a:gd name="adj1" fmla="val 50000"/>
+            </a:avLst>
+          </a:prstGeom>
+          <a:ln w="76200">
+            <a:solidFill>
+              <a:srgbClr val="FFFF00"/>
+            </a:solidFill>
+            <a:tailEnd type="triangle"/>
+          </a:ln>
+        </p:spPr>
+        <p:style>
+          <a:lnRef idx="1">
+            <a:schemeClr val="accent1"/>
+          </a:lnRef>
+          <a:fillRef idx="0">
+            <a:schemeClr val="accent1"/>
+          </a:fillRef>
+          <a:effectRef idx="0">
+            <a:schemeClr val="accent1"/>
+          </a:effectRef>
+          <a:fontRef idx="minor">
+            <a:schemeClr val="tx1"/>
+          </a:fontRef>
+        </p:style>
+      </p:cxnSp>
+      <p:sp>
+        <p:nvSpPr>
+          <p:cNvPr id="9" name="TextBox 8"/>
+          <p:cNvSpPr txBox="1"/>
+          <p:nvPr/>
+        </p:nvSpPr>
+        <p:spPr>
+          <a:xfrm>
+            <a:off x="7034571" y="5821680"/>
+            <a:ext cx="3342640" cy="707886"/>
+          </a:xfrm>
+          <a:prstGeom prst="rect">
+            <a:avLst/>
+          </a:prstGeom>
+          <a:noFill/>
+        </p:spPr>
+        <p:txBody>
+          <a:bodyPr wrap="square" rtlCol="0">
+            <a:spAutoFit/>
+          </a:bodyPr>
+          <a:lstStyle/>
+          <a:p>
+            <a:r>
+              <a:rPr lang="en-US" sz="4000" b="1" dirty="0" smtClean="0"/>
+              <a:t>Tarika Bedse</a:t>
+            </a:r>
+            <a:endParaRPr lang="en-US" sz="4000" b="1" dirty="0"/>
+          </a:p>
+        </p:txBody>
+      </p:sp>
+    </p:spTree>
+    <p:extLst>
+      <p:ext uri="{BB962C8B-B14F-4D97-AF65-F5344CB8AC3E}">
+        <p14:creationId xmlns:p14="http://schemas.microsoft.com/office/powerpoint/2010/main" val="1602870486"/>
+      </p:ext>
+    </p:extLst>
+  </p:cSld>
+  <p:clrMapOvr>
+    <a:masterClrMapping/>
+  </p:clrMapOvr>
+  <p:timing>
+    <p:tnLst>
+      <p:par>
+        <p:cTn id="1" dur="indefinite" restart="never" nodeType="tmRoot"/>
+      </p:par>
+    </p:tnLst>
+  </p:timing>
+</p:sld>
+</file>
+
+<file path=ppt/slides/slide14.xml><?xml version="1.0" encoding="utf-8"?>
+<p:sld xmlns:a="http://schemas.openxmlformats.org/drawingml/2006/main" xmlns:r="http://schemas.openxmlformats.org/officeDocument/2006/relationships" xmlns:p="http://schemas.openxmlformats.org/presentationml/2006/main">
+  <p:cSld>
+    <p:spTree>
+      <p:nvGrpSpPr>
+        <p:cNvPr id="1" name=""/>
+        <p:cNvGrpSpPr/>
+        <p:nvPr/>
+      </p:nvGrpSpPr>
+      <p:grpSpPr>
+        <a:xfrm>
+          <a:off x="0" y="0"/>
+          <a:ext cx="0" cy="0"/>
+          <a:chOff x="0" y="0"/>
+          <a:chExt cx="0" cy="0"/>
+        </a:xfrm>
+      </p:grpSpPr>
+      <p:sp>
+        <p:nvSpPr>
+          <p:cNvPr id="2" name="Title 1"/>
+          <p:cNvSpPr>
+            <a:spLocks noGrp="1"/>
+          </p:cNvSpPr>
+          <p:nvPr>
+            <p:ph type="title"/>
+          </p:nvPr>
+        </p:nvSpPr>
+        <p:spPr>
+          <a:xfrm>
+            <a:off x="156829" y="94203"/>
+            <a:ext cx="8596668" cy="749859"/>
+          </a:xfrm>
+        </p:spPr>
+        <p:txBody>
+          <a:bodyPr/>
+          <a:lstStyle/>
+          <a:p>
+            <a:r>
+              <a:rPr lang="en-US" dirty="0" smtClean="0"/>
+              <a:t>Validation</a:t>
+            </a:r>
+            <a:endParaRPr lang="en-US" dirty="0"/>
+          </a:p>
+        </p:txBody>
+      </p:sp>
+      <p:sp>
+        <p:nvSpPr>
+          <p:cNvPr id="3" name="Content Placeholder 2"/>
+          <p:cNvSpPr>
+            <a:spLocks noGrp="1"/>
+          </p:cNvSpPr>
+          <p:nvPr>
+            <p:ph idx="1"/>
+          </p:nvPr>
+        </p:nvSpPr>
+        <p:spPr>
+          <a:xfrm>
+            <a:off x="522589" y="1021108"/>
+            <a:ext cx="8596668" cy="1460835"/>
+          </a:xfrm>
+        </p:spPr>
+        <p:txBody>
+          <a:bodyPr>
+            <a:normAutofit/>
+          </a:bodyPr>
+          <a:lstStyle/>
+          <a:p>
+            <a:r>
+              <a:rPr lang="en-US" b="1" dirty="0" smtClean="0"/>
+              <a:t>User:</a:t>
+            </a:r>
+            <a:endParaRPr lang="en-US" b="1" dirty="0" smtClean="0"/>
+          </a:p>
+          <a:p>
+            <a:pPr lvl="1"/>
+            <a:r>
+              <a:rPr lang="en-US" dirty="0"/>
+              <a:t>Password: present, at least </a:t>
+            </a:r>
+            <a:r>
+              <a:rPr lang="en-US" dirty="0" smtClean="0"/>
+              <a:t>6 </a:t>
+            </a:r>
+            <a:r>
+              <a:rPr lang="en-US" dirty="0"/>
+              <a:t>chars, with 1 number, 1 upper case</a:t>
+            </a:r>
+            <a:endParaRPr lang="en-US" dirty="0"/>
+          </a:p>
+          <a:p>
+            <a:pPr lvl="1"/>
+            <a:r>
+              <a:rPr lang="en-US" dirty="0" smtClean="0"/>
+              <a:t>Email: present</a:t>
+            </a:r>
+            <a:r>
+              <a:rPr lang="en-US" dirty="0"/>
+              <a:t>, </a:t>
+            </a:r>
+            <a:r>
+              <a:rPr lang="en-US" dirty="0" smtClean="0"/>
+              <a:t>unique, domain </a:t>
+            </a:r>
+            <a:r>
+              <a:rPr lang="en-US" dirty="0"/>
+              <a:t>name should be “@memphis.edu”</a:t>
+            </a:r>
+            <a:endParaRPr lang="en-US" dirty="0" smtClean="0"/>
+          </a:p>
+        </p:txBody>
+      </p:sp>
+      <p:sp>
+        <p:nvSpPr>
+          <p:cNvPr id="5" name="Content Placeholder 2"/>
+          <p:cNvSpPr txBox="1">
+            <a:spLocks/>
+          </p:cNvSpPr>
+          <p:nvPr/>
+        </p:nvSpPr>
+        <p:spPr>
+          <a:xfrm>
+            <a:off x="522588" y="2746075"/>
+            <a:ext cx="7997297" cy="1216325"/>
+          </a:xfrm>
+          <a:prstGeom prst="rect">
+            <a:avLst/>
+          </a:prstGeom>
+        </p:spPr>
+        <p:txBody>
+          <a:bodyPr vert="horz" lIns="91440" tIns="45720" rIns="91440" bIns="45720" rtlCol="0">
+            <a:normAutofit/>
+          </a:bodyPr>
+          <a:lstStyle>
+            <a:lvl1pPr marL="342900" indent="-342900" algn="l" defTabSz="457200" rtl="0" eaLnBrk="1" latinLnBrk="0" hangingPunct="1">
+              <a:spcBef>
+                <a:spcPts val="1000"/>
+              </a:spcBef>
+              <a:spcAft>
+                <a:spcPts val="0"/>
+              </a:spcAft>
+              <a:buClr>
+                <a:schemeClr val="accent1"/>
+              </a:buClr>
+              <a:buSzPct val="80000"/>
+              <a:buFont typeface="Wingdings 3" charset="2"/>
+              <a:buChar char=""/>
+              <a:defRPr sz="1800" kern="1200">
+                <a:solidFill>
+                  <a:schemeClr val="tx1">
+                    <a:lumMod val="75000"/>
+                    <a:lumOff val="25000"/>
+                  </a:schemeClr>
+                </a:solidFill>
+                <a:latin typeface="+mn-lt"/>
+                <a:ea typeface="+mn-ea"/>
+                <a:cs typeface="+mn-cs"/>
+              </a:defRPr>
+            </a:lvl1pPr>
+            <a:lvl2pPr marL="742950" indent="-285750" algn="l" defTabSz="457200" rtl="0" eaLnBrk="1" latinLnBrk="0" hangingPunct="1">
+              <a:spcBef>
+                <a:spcPts val="1000"/>
+              </a:spcBef>
+              <a:spcAft>
+                <a:spcPts val="0"/>
+              </a:spcAft>
+              <a:buClr>
+                <a:schemeClr val="accent1"/>
+              </a:buClr>
+              <a:buSzPct val="80000"/>
+              <a:buFont typeface="Wingdings 3" charset="2"/>
+              <a:buChar char=""/>
+              <a:defRPr sz="1600" kern="1200">
+                <a:solidFill>
+                  <a:schemeClr val="tx1">
+                    <a:lumMod val="75000"/>
+                    <a:lumOff val="25000"/>
+                  </a:schemeClr>
+                </a:solidFill>
+                <a:latin typeface="+mn-lt"/>
+                <a:ea typeface="+mn-ea"/>
+                <a:cs typeface="+mn-cs"/>
+              </a:defRPr>
+            </a:lvl2pPr>
+            <a:lvl3pPr marL="1143000" indent="-228600" algn="l" defTabSz="457200" rtl="0" eaLnBrk="1" latinLnBrk="0" hangingPunct="1">
+              <a:spcBef>
+                <a:spcPts val="1000"/>
+              </a:spcBef>
+              <a:spcAft>
+                <a:spcPts val="0"/>
+              </a:spcAft>
+              <a:buClr>
+                <a:schemeClr val="accent1"/>
+              </a:buClr>
+              <a:buSzPct val="80000"/>
+              <a:buFont typeface="Wingdings 3" charset="2"/>
+              <a:buChar char=""/>
+              <a:defRPr sz="1400" kern="1200">
+                <a:solidFill>
+                  <a:schemeClr val="tx1">
+                    <a:lumMod val="75000"/>
+                    <a:lumOff val="25000"/>
+                  </a:schemeClr>
+                </a:solidFill>
+                <a:latin typeface="+mn-lt"/>
+                <a:ea typeface="+mn-ea"/>
+                <a:cs typeface="+mn-cs"/>
+              </a:defRPr>
+            </a:lvl3pPr>
+            <a:lvl4pPr marL="1600200" indent="-228600" algn="l" defTabSz="457200" rtl="0" eaLnBrk="1" latinLnBrk="0" hangingPunct="1">
+              <a:spcBef>
+                <a:spcPts val="1000"/>
+              </a:spcBef>
+              <a:spcAft>
+                <a:spcPts val="0"/>
+              </a:spcAft>
+              <a:buClr>
+                <a:schemeClr val="accent1"/>
+              </a:buClr>
+              <a:buSzPct val="80000"/>
+              <a:buFont typeface="Wingdings 3" charset="2"/>
+              <a:buChar char=""/>
+              <a:defRPr sz="1200" kern="1200">
+                <a:solidFill>
+                  <a:schemeClr val="tx1">
+                    <a:lumMod val="75000"/>
+                    <a:lumOff val="25000"/>
+                  </a:schemeClr>
+                </a:solidFill>
+                <a:latin typeface="+mn-lt"/>
+                <a:ea typeface="+mn-ea"/>
+                <a:cs typeface="+mn-cs"/>
+              </a:defRPr>
+            </a:lvl4pPr>
+            <a:lvl5pPr marL="2057400" indent="-228600" algn="l" defTabSz="457200" rtl="0" eaLnBrk="1" latinLnBrk="0" hangingPunct="1">
+              <a:spcBef>
+                <a:spcPts val="1000"/>
+              </a:spcBef>
+              <a:spcAft>
+                <a:spcPts val="0"/>
+              </a:spcAft>
+              <a:buClr>
+                <a:schemeClr val="accent1"/>
+              </a:buClr>
+              <a:buSzPct val="80000"/>
+              <a:buFont typeface="Wingdings 3" charset="2"/>
+              <a:buChar char=""/>
+              <a:defRPr sz="1200" kern="1200">
+                <a:solidFill>
+                  <a:schemeClr val="tx1">
+                    <a:lumMod val="75000"/>
+                    <a:lumOff val="25000"/>
+                  </a:schemeClr>
+                </a:solidFill>
+                <a:latin typeface="+mn-lt"/>
+                <a:ea typeface="+mn-ea"/>
+                <a:cs typeface="+mn-cs"/>
+              </a:defRPr>
+            </a:lvl5pPr>
+            <a:lvl6pPr marL="2514600" indent="-228600" algn="l" defTabSz="457200" rtl="0" eaLnBrk="1" latinLnBrk="0" hangingPunct="1">
+              <a:spcBef>
+                <a:spcPts val="1000"/>
+              </a:spcBef>
+              <a:spcAft>
+                <a:spcPts val="0"/>
+              </a:spcAft>
+              <a:buClr>
+                <a:schemeClr val="accent1"/>
+              </a:buClr>
+              <a:buSzPct val="80000"/>
+              <a:buFont typeface="Wingdings 3" charset="2"/>
+              <a:buChar char=""/>
+              <a:defRPr sz="1200" kern="1200">
+                <a:solidFill>
+                  <a:schemeClr val="tx1">
+                    <a:lumMod val="75000"/>
+                    <a:lumOff val="25000"/>
+                  </a:schemeClr>
+                </a:solidFill>
+                <a:latin typeface="+mn-lt"/>
+                <a:ea typeface="+mn-ea"/>
+                <a:cs typeface="+mn-cs"/>
+              </a:defRPr>
+            </a:lvl6pPr>
+            <a:lvl7pPr marL="2971800" indent="-228600" algn="l" defTabSz="457200" rtl="0" eaLnBrk="1" latinLnBrk="0" hangingPunct="1">
+              <a:spcBef>
+                <a:spcPts val="1000"/>
+              </a:spcBef>
+              <a:spcAft>
+                <a:spcPts val="0"/>
+              </a:spcAft>
+              <a:buClr>
+                <a:schemeClr val="accent1"/>
+              </a:buClr>
+              <a:buSzPct val="80000"/>
+              <a:buFont typeface="Wingdings 3" charset="2"/>
+              <a:buChar char=""/>
+              <a:defRPr sz="1200" kern="1200">
+                <a:solidFill>
+                  <a:schemeClr val="tx1">
+                    <a:lumMod val="75000"/>
+                    <a:lumOff val="25000"/>
+                  </a:schemeClr>
+                </a:solidFill>
+                <a:latin typeface="+mn-lt"/>
+                <a:ea typeface="+mn-ea"/>
+                <a:cs typeface="+mn-cs"/>
+              </a:defRPr>
+            </a:lvl7pPr>
+            <a:lvl8pPr marL="3429000" indent="-228600" algn="l" defTabSz="457200" rtl="0" eaLnBrk="1" latinLnBrk="0" hangingPunct="1">
+              <a:spcBef>
+                <a:spcPts val="1000"/>
+              </a:spcBef>
+              <a:spcAft>
+                <a:spcPts val="0"/>
+              </a:spcAft>
+              <a:buClr>
+                <a:schemeClr val="accent1"/>
+              </a:buClr>
+              <a:buSzPct val="80000"/>
+              <a:buFont typeface="Wingdings 3" charset="2"/>
+              <a:buChar char=""/>
+              <a:defRPr sz="1200" kern="1200">
+                <a:solidFill>
+                  <a:schemeClr val="tx1">
+                    <a:lumMod val="75000"/>
+                    <a:lumOff val="25000"/>
+                  </a:schemeClr>
+                </a:solidFill>
+                <a:latin typeface="+mn-lt"/>
+                <a:ea typeface="+mn-ea"/>
+                <a:cs typeface="+mn-cs"/>
+              </a:defRPr>
+            </a:lvl8pPr>
+            <a:lvl9pPr marL="3886200" indent="-228600" algn="l" defTabSz="457200" rtl="0" eaLnBrk="1" latinLnBrk="0" hangingPunct="1">
+              <a:spcBef>
+                <a:spcPts val="1000"/>
+              </a:spcBef>
+              <a:spcAft>
+                <a:spcPts val="0"/>
+              </a:spcAft>
+              <a:buClr>
+                <a:schemeClr val="accent1"/>
+              </a:buClr>
+              <a:buSzPct val="80000"/>
+              <a:buFont typeface="Wingdings 3" charset="2"/>
+              <a:buChar char=""/>
+              <a:defRPr sz="1200" kern="1200">
+                <a:solidFill>
+                  <a:schemeClr val="tx1">
+                    <a:lumMod val="75000"/>
+                    <a:lumOff val="25000"/>
+                  </a:schemeClr>
+                </a:solidFill>
+                <a:latin typeface="+mn-lt"/>
+                <a:ea typeface="+mn-ea"/>
+                <a:cs typeface="+mn-cs"/>
+              </a:defRPr>
+            </a:lvl9pPr>
+          </a:lstStyle>
+          <a:p>
+            <a:r>
+              <a:rPr lang="en-US" b="1" dirty="0" smtClean="0"/>
+              <a:t>Comment:</a:t>
+            </a:r>
+            <a:endParaRPr lang="en-US" b="1" dirty="0" smtClean="0"/>
+          </a:p>
+          <a:p>
+            <a:pPr lvl="1"/>
+            <a:r>
+              <a:rPr lang="en-US" dirty="0"/>
+              <a:t>Comment: </a:t>
+            </a:r>
+            <a:r>
+              <a:rPr lang="en-US" dirty="0" smtClean="0"/>
+              <a:t>present</a:t>
+            </a:r>
+            <a:endParaRPr lang="en-US" dirty="0"/>
+          </a:p>
+          <a:p>
+            <a:pPr lvl="1"/>
+            <a:r>
+              <a:rPr lang="en-US" dirty="0" smtClean="0"/>
+              <a:t>Score: present, in 1 to 10, </a:t>
+            </a:r>
+            <a:r>
+              <a:rPr lang="en-US" dirty="0"/>
+              <a:t>integer</a:t>
+            </a:r>
+          </a:p>
+        </p:txBody>
+      </p:sp>
+      <p:sp>
+        <p:nvSpPr>
+          <p:cNvPr id="7" name="TextBox 6"/>
+          <p:cNvSpPr txBox="1"/>
+          <p:nvPr/>
+        </p:nvSpPr>
+        <p:spPr>
+          <a:xfrm>
+            <a:off x="7034571" y="5821680"/>
+            <a:ext cx="3342640" cy="707886"/>
+          </a:xfrm>
+          <a:prstGeom prst="rect">
+            <a:avLst/>
+          </a:prstGeom>
+          <a:noFill/>
+        </p:spPr>
+        <p:txBody>
+          <a:bodyPr wrap="square" rtlCol="0">
+            <a:spAutoFit/>
+          </a:bodyPr>
+          <a:lstStyle/>
+          <a:p>
+            <a:r>
+              <a:rPr lang="en-US" sz="4000" b="1" dirty="0" smtClean="0"/>
+              <a:t>Tarika Bedse</a:t>
+            </a:r>
+            <a:endParaRPr lang="en-US" sz="4000" b="1" dirty="0"/>
+          </a:p>
+        </p:txBody>
+      </p:sp>
+    </p:spTree>
+    <p:extLst>
+      <p:ext uri="{BB962C8B-B14F-4D97-AF65-F5344CB8AC3E}">
+        <p14:creationId xmlns:p14="http://schemas.microsoft.com/office/powerpoint/2010/main" val="1179153743"/>
+      </p:ext>
+    </p:extLst>
+  </p:cSld>
+  <p:clrMapOvr>
+    <a:masterClrMapping/>
+  </p:clrMapOvr>
+  <p:timing>
+    <p:tnLst>
+      <p:par>
+        <p:cTn id="1" dur="indefinite" restart="never" nodeType="tmRoot"/>
+      </p:par>
+    </p:tnLst>
+  </p:timing>
 </p:sld>
 </file>
 
@@ -6860,6 +8025,13 @@
   <p:clrMapOvr>
     <a:masterClrMapping/>
   </p:clrMapOvr>
+  <p:timing>
+    <p:tnLst>
+      <p:par>
+        <p:cTn id="1" dur="indefinite" restart="never" nodeType="tmRoot"/>
+      </p:par>
+    </p:tnLst>
+  </p:timing>
 </p:sld>
 </file>
 
@@ -7138,6 +8310,13 @@
   <p:clrMapOvr>
     <a:masterClrMapping/>
   </p:clrMapOvr>
+  <p:timing>
+    <p:tnLst>
+      <p:par>
+        <p:cTn id="1" dur="indefinite" restart="never" nodeType="tmRoot"/>
+      </p:par>
+    </p:tnLst>
+  </p:timing>
 </p:sld>
 </file>
 
@@ -7412,6 +8591,13 @@
   <p:clrMapOvr>
     <a:masterClrMapping/>
   </p:clrMapOvr>
+  <p:timing>
+    <p:tnLst>
+      <p:par>
+        <p:cTn id="1" dur="indefinite" restart="never" nodeType="tmRoot"/>
+      </p:par>
+    </p:tnLst>
+  </p:timing>
 </p:sld>
 </file>
 
@@ -7861,7 +9047,6 @@
               <a:rPr lang="en-US" dirty="0" smtClean="0"/>
               <a:t>Room: optional, integer only</a:t>
             </a:r>
-            <a:endParaRPr lang="en-US" dirty="0" smtClean="0"/>
           </a:p>
         </p:txBody>
       </p:sp>
@@ -8125,7 +9310,6 @@
               <a:rPr lang="en-US" dirty="0" smtClean="0"/>
               <a:t>Tag: string, present, no number and special characters</a:t>
             </a:r>
-            <a:endParaRPr lang="en-US" dirty="0" smtClean="0"/>
           </a:p>
         </p:txBody>
       </p:sp>
@@ -8139,6 +9323,13 @@
   <p:clrMapOvr>
     <a:masterClrMapping/>
   </p:clrMapOvr>
+  <p:timing>
+    <p:tnLst>
+      <p:par>
+        <p:cTn id="1" dur="indefinite" restart="never" nodeType="tmRoot"/>
+      </p:par>
+    </p:tnLst>
+  </p:timing>
 </p:sld>
 </file>
 
@@ -8331,6 +9522,13 @@
   <p:clrMapOvr>
     <a:masterClrMapping/>
   </p:clrMapOvr>
+  <p:timing>
+    <p:tnLst>
+      <p:par>
+        <p:cTn id="1" dur="indefinite" restart="never" nodeType="tmRoot"/>
+      </p:par>
+    </p:tnLst>
+  </p:timing>
 </p:sld>
 </file>
 
@@ -8605,6 +9803,13 @@
   <p:clrMapOvr>
     <a:masterClrMapping/>
   </p:clrMapOvr>
+  <p:timing>
+    <p:tnLst>
+      <p:par>
+        <p:cTn id="1" dur="indefinite" restart="never" nodeType="tmRoot"/>
+      </p:par>
+    </p:tnLst>
+  </p:timing>
 </p:sld>
 </file>
 
@@ -8879,6 +10084,13 @@
   <p:clrMapOvr>
     <a:masterClrMapping/>
   </p:clrMapOvr>
+  <p:timing>
+    <p:tnLst>
+      <p:par>
+        <p:cTn id="1" dur="indefinite" restart="never" nodeType="tmRoot"/>
+      </p:par>
+    </p:tnLst>
+  </p:timing>
 </p:sld>
 </file>
 
@@ -9157,6 +10369,13 @@
   <p:clrMapOvr>
     <a:masterClrMapping/>
   </p:clrMapOvr>
+  <p:timing>
+    <p:tnLst>
+      <p:par>
+        <p:cTn id="1" dur="indefinite" restart="never" nodeType="tmRoot"/>
+      </p:par>
+    </p:tnLst>
+  </p:timing>
 </p:sld>
 </file>
 
